--- a/proj2/docs/finalpresentation.pptx
+++ b/proj2/docs/finalpresentation.pptx
@@ -8025,6 +8025,81 @@
           <a:bodyPr/>
           <a:lstStyle/>
           <a:p>
+            <a:r>
+              <a:rPr lang="pt-PT" dirty="0"/>
+              <a:t>O nosso problema apresenta algumas propriedades:</a:t>
+            </a:r>
+          </a:p>
+          <a:p>
+            <a:pPr lvl="1">
+              <a:buFont typeface="Wingdings" panose="05000000000000000000" pitchFamily="2" charset="2"/>
+              <a:buChar char="Ø"/>
+            </a:pPr>
+            <a:r>
+              <a:rPr lang="pt-PT" dirty="0"/>
+              <a:t> Atributos nominais e discretos binários</a:t>
+            </a:r>
+          </a:p>
+          <a:p>
+            <a:pPr lvl="1">
+              <a:buFont typeface="Wingdings" panose="05000000000000000000" pitchFamily="2" charset="2"/>
+              <a:buChar char="Ø"/>
+            </a:pPr>
+            <a:r>
+              <a:rPr lang="pt-PT" dirty="0"/>
+              <a:t> Dimensão : 73 atributos</a:t>
+            </a:r>
+          </a:p>
+          <a:p>
+            <a:pPr lvl="1">
+              <a:buFont typeface="Wingdings" panose="05000000000000000000" pitchFamily="2" charset="2"/>
+              <a:buChar char="Ø"/>
+            </a:pPr>
+            <a:r>
+              <a:rPr lang="pt-PT" dirty="0"/>
+              <a:t> Tamanho: 855969 registos</a:t>
+            </a:r>
+          </a:p>
+          <a:p>
+            <a:pPr lvl="1">
+              <a:buFont typeface="Wingdings" panose="05000000000000000000" pitchFamily="2" charset="2"/>
+              <a:buChar char="Ø"/>
+            </a:pPr>
+            <a:r>
+              <a:rPr lang="pt-PT" dirty="0"/>
+              <a:t> Sem </a:t>
+            </a:r>
+            <a:r>
+              <a:rPr lang="pt-PT" dirty="0" err="1"/>
+              <a:t>outliers</a:t>
+            </a:r>
+            <a:r>
+              <a:rPr lang="pt-PT" dirty="0"/>
+              <a:t> significativos </a:t>
+            </a:r>
+          </a:p>
+          <a:p>
+            <a:pPr lvl="1">
+              <a:buFont typeface="Wingdings" panose="05000000000000000000" pitchFamily="2" charset="2"/>
+              <a:buChar char="Ø"/>
+            </a:pPr>
+            <a:r>
+              <a:rPr lang="pt-PT" dirty="0"/>
+              <a:t> Alguns dados </a:t>
+            </a:r>
+            <a:r>
+              <a:rPr lang="pt-PT" i="1" dirty="0" err="1"/>
+              <a:t>missing</a:t>
+            </a:r>
+            <a:r>
+              <a:rPr lang="pt-PT" dirty="0"/>
+              <a:t> e duplicados</a:t>
+            </a:r>
+          </a:p>
+          <a:p>
+            <a:endParaRPr lang="pt-PT" dirty="0"/>
+          </a:p>
+          <a:p>
             <a:endParaRPr lang="en-US" dirty="0"/>
           </a:p>
         </p:txBody>
@@ -8136,7 +8211,7 @@
         <p:spPr/>
         <p:txBody>
           <a:bodyPr>
-            <a:normAutofit fontScale="85000" lnSpcReduction="20000"/>
+            <a:normAutofit fontScale="92500" lnSpcReduction="10000"/>
           </a:bodyPr>
           <a:lstStyle/>
           <a:p>
@@ -8152,101 +8227,7 @@
             </a:pPr>
             <a:r>
               <a:rPr lang="pt-PT" dirty="0"/>
-              <a:t>Começámos por remover as colunas com valores pouco relevantes/valores futuros para a previsão, bem como colunas com a maioria dos valores nulos (v</a:t>
-            </a:r>
-            <a:r>
-              <a:rPr lang="en-US" b="0" i="1" dirty="0" err="1">
-                <a:effectLst/>
-              </a:rPr>
-              <a:t>erification_status_joint</a:t>
-            </a:r>
-            <a:r>
-              <a:rPr lang="en-US" b="0" i="0" dirty="0">
-                <a:effectLst/>
-              </a:rPr>
-              <a:t>, </a:t>
-            </a:r>
-            <a:r>
-              <a:rPr lang="en-US" b="0" i="1" dirty="0" err="1">
-                <a:effectLst/>
-              </a:rPr>
-              <a:t>annual_inc_joint</a:t>
-            </a:r>
-            <a:r>
-              <a:rPr lang="en-US" b="0" i="0" dirty="0">
-                <a:effectLst/>
-              </a:rPr>
-              <a:t>, </a:t>
-            </a:r>
-            <a:r>
-              <a:rPr lang="en-US" b="0" i="1" dirty="0" err="1">
-                <a:effectLst/>
-              </a:rPr>
-              <a:t>dti_joint</a:t>
-            </a:r>
-            <a:r>
-              <a:rPr lang="en-US" b="0" i="0" dirty="0">
-                <a:effectLst/>
-              </a:rPr>
-              <a:t>, </a:t>
-            </a:r>
-            <a:r>
-              <a:rPr lang="en-US" b="0" i="1" dirty="0" err="1">
-                <a:effectLst/>
-              </a:rPr>
-              <a:t>il_util</a:t>
-            </a:r>
-            <a:r>
-              <a:rPr lang="en-US" b="0" i="0" dirty="0">
-                <a:effectLst/>
-              </a:rPr>
-              <a:t>, </a:t>
-            </a:r>
-            <a:r>
-              <a:rPr lang="en-US" b="0" i="1" dirty="0" err="1">
-                <a:effectLst/>
-              </a:rPr>
-              <a:t>mths_since_rcnt_il</a:t>
-            </a:r>
-            <a:r>
-              <a:rPr lang="en-US" b="0" i="0" dirty="0">
-                <a:effectLst/>
-              </a:rPr>
-              <a:t>, </a:t>
-            </a:r>
-            <a:r>
-              <a:rPr lang="en-US" b="0" i="1" dirty="0" err="1">
-                <a:effectLst/>
-              </a:rPr>
-              <a:t>total_bal_il</a:t>
-            </a:r>
-            <a:r>
-              <a:rPr lang="en-US" b="0" i="0" dirty="0">
-                <a:effectLst/>
-              </a:rPr>
-              <a:t>, </a:t>
-            </a:r>
-            <a:r>
-              <a:rPr lang="en-US" b="0" i="1" dirty="0">
-                <a:effectLst/>
-              </a:rPr>
-              <a:t>inq_last_12m</a:t>
-            </a:r>
-            <a:r>
-              <a:rPr lang="en-US" b="0" i="0" dirty="0">
-                <a:effectLst/>
-              </a:rPr>
-              <a:t>, </a:t>
-            </a:r>
-            <a:r>
-              <a:rPr lang="en-US" b="0" i="1" dirty="0">
-                <a:effectLst/>
-              </a:rPr>
-              <a:t>open_acc_6m …</a:t>
-            </a:r>
-            <a:r>
-              <a:rPr lang="pt-PT" dirty="0"/>
-              <a:t>). </a:t>
+              <a:t>Começámos por remover as colunas com valores pouco relevantes para a previsão/valores futuros</a:t>
             </a:r>
           </a:p>
           <a:p>
@@ -8256,30 +8237,126 @@
             </a:pPr>
             <a:r>
               <a:rPr lang="pt-PT" dirty="0"/>
+              <a:t>Removemos colunas com a maioria dos valores nulos (v</a:t>
+            </a:r>
+            <a:r>
+              <a:rPr lang="en-US" b="0" i="1" dirty="0" err="1">
+                <a:effectLst/>
+              </a:rPr>
+              <a:t>erification_status_joint</a:t>
+            </a:r>
+            <a:r>
+              <a:rPr lang="en-US" b="0" i="0" dirty="0">
+                <a:effectLst/>
+              </a:rPr>
+              <a:t>, </a:t>
+            </a:r>
+            <a:r>
+              <a:rPr lang="en-US" b="0" i="1" dirty="0" err="1">
+                <a:effectLst/>
+              </a:rPr>
+              <a:t>annual_inc_joint</a:t>
+            </a:r>
+            <a:r>
+              <a:rPr lang="en-US" b="0" i="0" dirty="0">
+                <a:effectLst/>
+              </a:rPr>
+              <a:t>, </a:t>
+            </a:r>
+            <a:r>
+              <a:rPr lang="en-US" b="0" i="1" dirty="0" err="1">
+                <a:effectLst/>
+              </a:rPr>
+              <a:t>dti_joint</a:t>
+            </a:r>
+            <a:r>
+              <a:rPr lang="en-US" b="0" i="0" dirty="0">
+                <a:effectLst/>
+              </a:rPr>
+              <a:t>, </a:t>
+            </a:r>
+            <a:r>
+              <a:rPr lang="en-US" b="0" i="1" dirty="0" err="1">
+                <a:effectLst/>
+              </a:rPr>
+              <a:t>il_util</a:t>
+            </a:r>
+            <a:r>
+              <a:rPr lang="en-US" b="0" i="0" dirty="0">
+                <a:effectLst/>
+              </a:rPr>
+              <a:t>, </a:t>
+            </a:r>
+            <a:r>
+              <a:rPr lang="en-US" b="0" i="1" dirty="0" err="1">
+                <a:effectLst/>
+              </a:rPr>
+              <a:t>mths_since_rcnt_il</a:t>
+            </a:r>
+            <a:r>
+              <a:rPr lang="en-US" b="0" i="0" dirty="0">
+                <a:effectLst/>
+              </a:rPr>
+              <a:t>, </a:t>
+            </a:r>
+            <a:r>
+              <a:rPr lang="en-US" b="0" i="1" dirty="0" err="1">
+                <a:effectLst/>
+              </a:rPr>
+              <a:t>total_bal_il</a:t>
+            </a:r>
+            <a:r>
+              <a:rPr lang="en-US" b="0" i="0" dirty="0">
+                <a:effectLst/>
+              </a:rPr>
+              <a:t>, </a:t>
+            </a:r>
+            <a:r>
+              <a:rPr lang="en-US" b="0" i="1" dirty="0">
+                <a:effectLst/>
+              </a:rPr>
+              <a:t>inq_last_12m</a:t>
+            </a:r>
+            <a:r>
+              <a:rPr lang="en-US" b="0" i="0" dirty="0">
+                <a:effectLst/>
+              </a:rPr>
+              <a:t>, </a:t>
+            </a:r>
+            <a:r>
+              <a:rPr lang="en-US" b="0" i="1" dirty="0">
+                <a:effectLst/>
+              </a:rPr>
+              <a:t>open_acc_6m …</a:t>
+            </a:r>
+            <a:r>
+              <a:rPr lang="pt-PT" dirty="0"/>
+              <a:t>). </a:t>
+            </a:r>
+          </a:p>
+          <a:p>
+            <a:pPr lvl="1">
+              <a:buFont typeface="Wingdings" panose="05000000000000000000" pitchFamily="2" charset="2"/>
+              <a:buChar char="Ø"/>
+            </a:pPr>
+            <a:r>
+              <a:rPr lang="pt-PT" dirty="0"/>
               <a:t>Adicionalmente colunas com alguns valores a nulo substituímos pela mediana da coluna. </a:t>
             </a:r>
           </a:p>
           <a:p>
             <a:r>
               <a:rPr lang="pt-PT" dirty="0"/>
-              <a:t>Para além desta limpeza inicial também recorremos às seguintes técnicas:</a:t>
-            </a:r>
-          </a:p>
-          <a:p>
-            <a:br>
+              <a:t>Para além desta limpeza inicial também recorremos à técnica de </a:t>
+            </a:r>
+            <a:r>
+              <a:rPr lang="pt-PT" b="1" dirty="0" err="1"/>
+              <a:t>encoding</a:t>
+            </a:r>
+            <a:r>
               <a:rPr lang="pt-PT" dirty="0"/>
-            </a:br>
-            <a:r>
-              <a:rPr lang="pt-PT" b="1" dirty="0"/>
-              <a:t>Agregação</a:t>
-            </a:r>
-          </a:p>
-          <a:p>
-            <a:r>
-              <a:rPr lang="pt-PT" b="1" dirty="0" err="1"/>
-              <a:t>Encoding</a:t>
-            </a:r>
-            <a:endParaRPr lang="pt-PT" b="1" dirty="0"/>
+              <a:t>:</a:t>
+            </a:r>
           </a:p>
           <a:p>
             <a:r>
@@ -8654,22 +8731,65 @@
             </a:r>
           </a:p>
           <a:p>
-            <a:r>
-              <a:rPr lang="en-US" dirty="0"/>
-              <a:t>Nota: </a:t>
-            </a:r>
-          </a:p>
-          <a:p>
-            <a:r>
-              <a:rPr lang="pt-PT" dirty="0"/>
+            <a:pPr marL="0" indent="0">
+              <a:buNone/>
+            </a:pPr>
+            <a:endParaRPr lang="pt-PT" dirty="0"/>
+          </a:p>
+          <a:p>
+            <a:r>
+              <a:rPr lang="en-US" sz="1600" b="1" dirty="0">
+                <a:solidFill>
+                  <a:schemeClr val="tx1">
+                    <a:lumMod val="65000"/>
+                    <a:lumOff val="35000"/>
+                  </a:schemeClr>
+                </a:solidFill>
+              </a:rPr>
+              <a:t>Nota</a:t>
+            </a:r>
+            <a:r>
+              <a:rPr lang="en-US" sz="1600" dirty="0">
+                <a:solidFill>
+                  <a:schemeClr val="tx1">
+                    <a:lumMod val="65000"/>
+                    <a:lumOff val="35000"/>
+                  </a:schemeClr>
+                </a:solidFill>
+              </a:rPr>
+              <a:t>: </a:t>
+            </a:r>
+            <a:r>
+              <a:rPr lang="pt-PT" sz="1600" dirty="0">
+                <a:solidFill>
+                  <a:schemeClr val="tx1">
+                    <a:lumMod val="65000"/>
+                    <a:lumOff val="35000"/>
+                  </a:schemeClr>
+                </a:solidFill>
+              </a:rPr>
               <a:t>Como continuávamos com muitas linhas decidimos criar um </a:t>
             </a:r>
             <a:r>
-              <a:rPr lang="pt-PT" i="1" dirty="0" err="1"/>
+              <a:rPr lang="pt-PT" sz="1600" i="1" dirty="0" err="1">
+                <a:solidFill>
+                  <a:schemeClr val="tx1">
+                    <a:lumMod val="65000"/>
+                    <a:lumOff val="35000"/>
+                  </a:schemeClr>
+                </a:solidFill>
+              </a:rPr>
               <a:t>subset</a:t>
             </a:r>
             <a:r>
-              <a:rPr lang="pt-PT" dirty="0"/>
+              <a:rPr lang="pt-PT" sz="1600" dirty="0">
+                <a:solidFill>
+                  <a:schemeClr val="tx1">
+                    <a:lumMod val="65000"/>
+                    <a:lumOff val="35000"/>
+                  </a:schemeClr>
+                </a:solidFill>
+              </a:rPr>
               <a:t> balanceado em torno do índice. Criamos uma lista e 900 linhas em que metade dos dados têm índice 1 e a outra metade índice 0.</a:t>
             </a:r>
           </a:p>
@@ -9116,7 +9236,7 @@
         </p:spPr>
         <p:txBody>
           <a:bodyPr>
-            <a:normAutofit lnSpcReduction="10000"/>
+            <a:normAutofit/>
           </a:bodyPr>
           <a:lstStyle/>
           <a:p>
@@ -9271,20 +9391,6 @@
             <a:r>
               <a:rPr lang="pt-PT" dirty="0"/>
               <a:t>;</a:t>
-            </a:r>
-          </a:p>
-          <a:p>
-            <a:r>
-              <a:rPr lang="pt-PT" dirty="0"/>
-              <a:t>A </a:t>
-            </a:r>
-            <a:r>
-              <a:rPr lang="pt-PT" dirty="0" err="1"/>
-              <a:t>confusion</a:t>
-            </a:r>
-            <a:r>
-              <a:rPr lang="pt-PT" dirty="0"/>
-              <a:t> matriz mostra </a:t>
             </a:r>
           </a:p>
           <a:p>

--- a/proj2/docs/finalpresentation.pptx
+++ b/proj2/docs/finalpresentation.pptx
@@ -5988,22 +5988,18 @@
             </a:r>
             <a:r>
               <a:rPr lang="pt-PT" sz="1600" dirty="0"/>
-              <a:t> para prever o grau de risco de um empréstimo (</a:t>
+              <a:t> para prever se um empréstimo será pago ou não (</a:t>
             </a:r>
             <a:r>
               <a:rPr lang="pt-PT" sz="1600" i="1" dirty="0" err="1"/>
-              <a:t>loan</a:t>
-            </a:r>
-            <a:r>
-              <a:rPr lang="pt-PT" sz="1600" i="1" dirty="0"/>
-              <a:t> grade</a:t>
+              <a:t>default_ind</a:t>
             </a:r>
             <a:r>
               <a:rPr lang="pt-PT" sz="1600" dirty="0"/>
               <a:t>).  Para isso, contamos com um </a:t>
             </a:r>
             <a:r>
-              <a:rPr lang="pt-PT" sz="1600" dirty="0" err="1"/>
+              <a:rPr lang="pt-PT" sz="1600" i="1" dirty="0" err="1"/>
               <a:t>dataset</a:t>
             </a:r>
             <a:r>
@@ -7688,7 +7684,7 @@
               <a:t> </a:t>
             </a:r>
             <a:r>
-              <a:rPr lang="en-US" sz="1600" dirty="0" err="1"/>
+              <a:rPr lang="en-US" sz="1600" b="1" dirty="0" err="1"/>
               <a:t>Seachorn</a:t>
             </a:r>
             <a:r>
@@ -8085,15 +8081,7 @@
             </a:pPr>
             <a:r>
               <a:rPr lang="pt-PT" dirty="0"/>
-              <a:t> Alguns dados </a:t>
-            </a:r>
-            <a:r>
-              <a:rPr lang="pt-PT" i="1" dirty="0" err="1"/>
-              <a:t>missing</a:t>
-            </a:r>
-            <a:r>
-              <a:rPr lang="pt-PT" dirty="0"/>
-              <a:t> e duplicados</a:t>
+              <a:t> Alguns dados com valores nulos ou duplicados</a:t>
             </a:r>
           </a:p>
           <a:p>
@@ -8372,7 +8360,7 @@
               <a:t> da biblioteca </a:t>
             </a:r>
             <a:r>
-              <a:rPr lang="pt-PT" dirty="0" err="1"/>
+              <a:rPr lang="pt-PT" b="1" i="1" dirty="0" err="1"/>
               <a:t>scikitlearn</a:t>
             </a:r>
             <a:r>
@@ -8726,8 +8714,8 @@
               <a:buNone/>
             </a:pPr>
             <a:r>
-              <a:rPr lang="pt-PT" dirty="0"/>
-              <a:t>O gráfico ao lado representa a correlação para cada par de atributos do empréstimo, onde a cor mais amarelada corresponde a níveis maiores de correlação e a cor mais azul a níveis menores.</a:t>
+              <a:rPr lang="pt-PT" sz="1600" dirty="0"/>
+              <a:t>O gráfico ao lado representa a correlação para cada par de atributos do empréstimo, onde a cor mais amarelada corresponde a níveis maiores de correlação e a cor mais roxa a níveis menores.</a:t>
             </a:r>
           </a:p>
           <a:p>
@@ -8738,7 +8726,7 @@
           </a:p>
           <a:p>
             <a:r>
-              <a:rPr lang="en-US" sz="1600" b="1" dirty="0">
+              <a:rPr lang="pt-PT" sz="1600" b="1" dirty="0">
                 <a:solidFill>
                   <a:schemeClr val="tx1">
                     <a:lumMod val="65000"/>
@@ -8746,10 +8734,12 @@
                   </a:schemeClr>
                 </a:solidFill>
               </a:rPr>
-              <a:t>Nota</a:t>
-            </a:r>
-            <a:r>
-              <a:rPr lang="en-US" sz="1600" dirty="0">
+              <a:t>NOTA: </a:t>
+            </a:r>
+          </a:p>
+          <a:p>
+            <a:r>
+              <a:rPr lang="pt-PT" sz="1600" dirty="0">
                 <a:solidFill>
                   <a:schemeClr val="tx1">
                     <a:lumMod val="65000"/>
@@ -8757,10 +8747,10 @@
                   </a:schemeClr>
                 </a:solidFill>
               </a:rPr>
-              <a:t>: </a:t>
-            </a:r>
-            <a:r>
-              <a:rPr lang="pt-PT" sz="1600" dirty="0">
+              <a:t>Dado o elevado número de linhas que o </a:t>
+            </a:r>
+            <a:r>
+              <a:rPr lang="pt-PT" sz="1600" i="1" dirty="0" err="1">
                 <a:solidFill>
                   <a:schemeClr val="tx1">
                     <a:lumMod val="65000"/>
@@ -8768,10 +8758,10 @@
                   </a:schemeClr>
                 </a:solidFill>
               </a:rPr>
-              <a:t>Como continuávamos com muitas linhas decidimos criar um </a:t>
-            </a:r>
-            <a:r>
-              <a:rPr lang="pt-PT" sz="1600" i="1" dirty="0" err="1">
+              <a:t>dataset</a:t>
+            </a:r>
+            <a:r>
+              <a:rPr lang="pt-PT" sz="1600" dirty="0">
                 <a:solidFill>
                   <a:schemeClr val="tx1">
                     <a:lumMod val="65000"/>
@@ -8779,10 +8769,10 @@
                   </a:schemeClr>
                 </a:solidFill>
               </a:rPr>
-              <a:t>subset</a:t>
-            </a:r>
-            <a:r>
-              <a:rPr lang="pt-PT" sz="1600" dirty="0">
+              <a:t> continha, optamos por utilizar um </a:t>
+            </a:r>
+            <a:r>
+              <a:rPr lang="pt-PT" sz="1600" i="1" dirty="0" err="1">
                 <a:solidFill>
                   <a:schemeClr val="tx1">
                     <a:lumMod val="65000"/>
@@ -8790,10 +8780,118 @@
                   </a:schemeClr>
                 </a:solidFill>
               </a:rPr>
-              <a:t> balanceado em torno do índice. Criamos uma lista e 900 linhas em que metade dos dados têm índice 1 e a outra metade índice 0.</a:t>
-            </a:r>
-          </a:p>
-          <a:p>
+              <a:t>subset</a:t>
+            </a:r>
+            <a:r>
+              <a:rPr lang="pt-PT" sz="1600" dirty="0">
+                <a:solidFill>
+                  <a:schemeClr val="tx1">
+                    <a:lumMod val="65000"/>
+                    <a:lumOff val="35000"/>
+                  </a:schemeClr>
+                </a:solidFill>
+              </a:rPr>
+              <a:t> com 5% dos dados do </a:t>
+            </a:r>
+            <a:r>
+              <a:rPr lang="pt-PT" sz="1600" i="1" dirty="0" err="1">
+                <a:solidFill>
+                  <a:schemeClr val="tx1">
+                    <a:lumMod val="65000"/>
+                    <a:lumOff val="35000"/>
+                  </a:schemeClr>
+                </a:solidFill>
+              </a:rPr>
+              <a:t>dataset</a:t>
+            </a:r>
+            <a:r>
+              <a:rPr lang="pt-PT" sz="1600" dirty="0">
+                <a:solidFill>
+                  <a:schemeClr val="tx1">
+                    <a:lumMod val="65000"/>
+                    <a:lumOff val="35000"/>
+                  </a:schemeClr>
+                </a:solidFill>
+              </a:rPr>
+              <a:t> original. Após selecionar aleatoriamente o </a:t>
+            </a:r>
+            <a:r>
+              <a:rPr lang="pt-PT" sz="1600" i="1" dirty="0" err="1">
+                <a:solidFill>
+                  <a:schemeClr val="tx1">
+                    <a:lumMod val="65000"/>
+                    <a:lumOff val="35000"/>
+                  </a:schemeClr>
+                </a:solidFill>
+              </a:rPr>
+              <a:t>subset</a:t>
+            </a:r>
+            <a:r>
+              <a:rPr lang="pt-PT" sz="1600" dirty="0">
+                <a:solidFill>
+                  <a:schemeClr val="tx1">
+                    <a:lumMod val="65000"/>
+                    <a:lumOff val="35000"/>
+                  </a:schemeClr>
+                </a:solidFill>
+              </a:rPr>
+              <a:t>, fazemos ainda um balanceamento dos dados de maneira a que este possua a mesma quantidade de dados com </a:t>
+            </a:r>
+            <a:r>
+              <a:rPr lang="pt-PT" sz="1600" dirty="0" err="1">
+                <a:solidFill>
+                  <a:schemeClr val="tx1">
+                    <a:lumMod val="65000"/>
+                    <a:lumOff val="35000"/>
+                  </a:schemeClr>
+                </a:solidFill>
+              </a:rPr>
+              <a:t>default_</a:t>
+            </a:r>
+            <a:r>
+              <a:rPr lang="pt-PT" sz="1600" i="1" dirty="0" err="1">
+                <a:solidFill>
+                  <a:schemeClr val="tx1">
+                    <a:lumMod val="65000"/>
+                    <a:lumOff val="35000"/>
+                  </a:schemeClr>
+                </a:solidFill>
+              </a:rPr>
+              <a:t>ind</a:t>
+            </a:r>
+            <a:r>
+              <a:rPr lang="pt-PT" sz="1600" dirty="0">
+                <a:solidFill>
+                  <a:schemeClr val="tx1">
+                    <a:lumMod val="65000"/>
+                    <a:lumOff val="35000"/>
+                  </a:schemeClr>
+                </a:solidFill>
+              </a:rPr>
+              <a:t> a 0 e a 1, para que não existisse </a:t>
+            </a:r>
+            <a:r>
+              <a:rPr lang="pt-PT" sz="1600" i="1" dirty="0" err="1">
+                <a:solidFill>
+                  <a:schemeClr val="tx1">
+                    <a:lumMod val="65000"/>
+                    <a:lumOff val="35000"/>
+                  </a:schemeClr>
+                </a:solidFill>
+              </a:rPr>
+              <a:t>overfitting</a:t>
+            </a:r>
+            <a:r>
+              <a:rPr lang="pt-PT" sz="1600" dirty="0">
+                <a:solidFill>
+                  <a:schemeClr val="tx1">
+                    <a:lumMod val="65000"/>
+                    <a:lumOff val="35000"/>
+                  </a:schemeClr>
+                </a:solidFill>
+              </a:rPr>
+              <a:t>.</a:t>
+            </a:r>
             <a:endParaRPr lang="en-US" dirty="0"/>
           </a:p>
         </p:txBody>
